--- a/help/data-sheets/assets/EliteSupportDatasheet.pptx
+++ b/help/data-sheets/assets/EliteSupportDatasheet.pptx
@@ -151,7 +151,7 @@
 <file path=ppt/revisionInfo.xml><?xml version="1.0" encoding="utf-8"?>
 <p1510:revInfo xmlns:a="http://schemas.openxmlformats.org/drawingml/2006/main" xmlns:r="http://schemas.openxmlformats.org/officeDocument/2006/relationships" xmlns:p1510="http://schemas.microsoft.com/office/powerpoint/2015/10/main">
   <p1510:revLst>
-    <p1510:client id="{0BC4D7A0-4BBD-1B49-BE14-170949F0EA37}" v="4" dt="2021-10-13T19:10:14.670"/>
+    <p1510:client id="{1E4B2740-C02D-6848-8C88-402A980B28DC}" v="27" dt="2022-01-20T17:33:40.354"/>
   </p1510:revLst>
 </p1510:revInfo>
 </file>
@@ -179,6 +179,109 @@
             <ac:spMk id="4" creationId="{00000000-0000-0000-0000-000000000000}"/>
           </ac:spMkLst>
         </pc:spChg>
+      </pc:sldChg>
+    </pc:docChg>
+  </pc:docChgLst>
+  <pc:docChgLst>
+    <pc:chgData name="Akilah Johnson" userId="S::akjohnso@adobe.com::2fa3aa60-0c9c-4d06-bae2-795983241227" providerId="AD" clId="Web-{6321287A-37E3-E99F-4766-DFF993179103}"/>
+    <pc:docChg chg="modSld">
+      <pc:chgData name="Akilah Johnson" userId="S::akjohnso@adobe.com::2fa3aa60-0c9c-4d06-bae2-795983241227" providerId="AD" clId="Web-{6321287A-37E3-E99F-4766-DFF993179103}" dt="2021-11-24T00:05:14.840" v="5"/>
+      <pc:docMkLst>
+        <pc:docMk/>
+      </pc:docMkLst>
+      <pc:sldChg chg="modSp">
+        <pc:chgData name="Akilah Johnson" userId="S::akjohnso@adobe.com::2fa3aa60-0c9c-4d06-bae2-795983241227" providerId="AD" clId="Web-{6321287A-37E3-E99F-4766-DFF993179103}" dt="2021-11-24T00:05:14.840" v="5"/>
+        <pc:sldMkLst>
+          <pc:docMk/>
+          <pc:sldMk cId="0" sldId="256"/>
+        </pc:sldMkLst>
+        <pc:graphicFrameChg chg="mod modGraphic">
+          <ac:chgData name="Akilah Johnson" userId="S::akjohnso@adobe.com::2fa3aa60-0c9c-4d06-bae2-795983241227" providerId="AD" clId="Web-{6321287A-37E3-E99F-4766-DFF993179103}" dt="2021-11-24T00:05:14.840" v="5"/>
+          <ac:graphicFrameMkLst>
+            <pc:docMk/>
+            <pc:sldMk cId="0" sldId="256"/>
+            <ac:graphicFrameMk id="7" creationId="{00000000-0000-0000-0000-000000000000}"/>
+          </ac:graphicFrameMkLst>
+        </pc:graphicFrameChg>
+      </pc:sldChg>
+    </pc:docChg>
+  </pc:docChgLst>
+  <pc:docChgLst>
+    <pc:chgData name="Ankita Sood" userId="c93a62e3-2a47-429d-82c6-c2a8fd110ae7" providerId="ADAL" clId="{1E4B2740-C02D-6848-8C88-402A980B28DC}"/>
+    <pc:docChg chg="modSld">
+      <pc:chgData name="Ankita Sood" userId="c93a62e3-2a47-429d-82c6-c2a8fd110ae7" providerId="ADAL" clId="{1E4B2740-C02D-6848-8C88-402A980B28DC}" dt="2022-01-20T19:39:05.294" v="34" actId="20577"/>
+      <pc:docMkLst>
+        <pc:docMk/>
+      </pc:docMkLst>
+      <pc:sldChg chg="modSp mod">
+        <pc:chgData name="Ankita Sood" userId="c93a62e3-2a47-429d-82c6-c2a8fd110ae7" providerId="ADAL" clId="{1E4B2740-C02D-6848-8C88-402A980B28DC}" dt="2022-01-20T19:39:05.294" v="34" actId="20577"/>
+        <pc:sldMkLst>
+          <pc:docMk/>
+          <pc:sldMk cId="0" sldId="256"/>
+        </pc:sldMkLst>
+        <pc:spChg chg="mod">
+          <ac:chgData name="Ankita Sood" userId="c93a62e3-2a47-429d-82c6-c2a8fd110ae7" providerId="ADAL" clId="{1E4B2740-C02D-6848-8C88-402A980B28DC}" dt="2022-01-20T19:39:05.294" v="34" actId="20577"/>
+          <ac:spMkLst>
+            <pc:docMk/>
+            <pc:sldMk cId="0" sldId="256"/>
+            <ac:spMk id="3" creationId="{00000000-0000-0000-0000-000000000000}"/>
+          </ac:spMkLst>
+        </pc:spChg>
+        <pc:graphicFrameChg chg="modGraphic">
+          <ac:chgData name="Ankita Sood" userId="c93a62e3-2a47-429d-82c6-c2a8fd110ae7" providerId="ADAL" clId="{1E4B2740-C02D-6848-8C88-402A980B28DC}" dt="2022-01-20T17:33:31.472" v="18" actId="20577"/>
+          <ac:graphicFrameMkLst>
+            <pc:docMk/>
+            <pc:sldMk cId="0" sldId="256"/>
+            <ac:graphicFrameMk id="7" creationId="{00000000-0000-0000-0000-000000000000}"/>
+          </ac:graphicFrameMkLst>
+        </pc:graphicFrameChg>
+        <pc:graphicFrameChg chg="modGraphic">
+          <ac:chgData name="Ankita Sood" userId="c93a62e3-2a47-429d-82c6-c2a8fd110ae7" providerId="ADAL" clId="{1E4B2740-C02D-6848-8C88-402A980B28DC}" dt="2022-01-20T17:33:27.794" v="10" actId="20577"/>
+          <ac:graphicFrameMkLst>
+            <pc:docMk/>
+            <pc:sldMk cId="0" sldId="256"/>
+            <ac:graphicFrameMk id="13" creationId="{8FC06D05-42C7-D14C-86E4-0F01711669B9}"/>
+          </ac:graphicFrameMkLst>
+        </pc:graphicFrameChg>
+      </pc:sldChg>
+      <pc:sldChg chg="modSp mod">
+        <pc:chgData name="Ankita Sood" userId="c93a62e3-2a47-429d-82c6-c2a8fd110ae7" providerId="ADAL" clId="{1E4B2740-C02D-6848-8C88-402A980B28DC}" dt="2022-01-20T17:33:40.355" v="26" actId="20577"/>
+        <pc:sldMkLst>
+          <pc:docMk/>
+          <pc:sldMk cId="3982262141" sldId="262"/>
+        </pc:sldMkLst>
+        <pc:spChg chg="mod">
+          <ac:chgData name="Ankita Sood" userId="c93a62e3-2a47-429d-82c6-c2a8fd110ae7" providerId="ADAL" clId="{1E4B2740-C02D-6848-8C88-402A980B28DC}" dt="2022-01-20T17:33:40.355" v="26" actId="20577"/>
+          <ac:spMkLst>
+            <pc:docMk/>
+            <pc:sldMk cId="3982262141" sldId="262"/>
+            <ac:spMk id="81" creationId="{68CE4601-87A9-E645-841C-EE142932AEED}"/>
+          </ac:spMkLst>
+        </pc:spChg>
+      </pc:sldChg>
+    </pc:docChg>
+  </pc:docChgLst>
+  <pc:docChgLst>
+    <pc:chgData name="Akilah Johnson" userId="2fa3aa60-0c9c-4d06-bae2-795983241227" providerId="ADAL" clId="{4F9F8D59-37FF-0B43-9EF5-31D48C73FC8D}"/>
+    <pc:docChg chg="modSld">
+      <pc:chgData name="Akilah Johnson" userId="2fa3aa60-0c9c-4d06-bae2-795983241227" providerId="ADAL" clId="{4F9F8D59-37FF-0B43-9EF5-31D48C73FC8D}" dt="2021-11-24T00:07:01.857" v="8" actId="20577"/>
+      <pc:docMkLst>
+        <pc:docMk/>
+      </pc:docMkLst>
+      <pc:sldChg chg="modSp mod">
+        <pc:chgData name="Akilah Johnson" userId="2fa3aa60-0c9c-4d06-bae2-795983241227" providerId="ADAL" clId="{4F9F8D59-37FF-0B43-9EF5-31D48C73FC8D}" dt="2021-11-24T00:07:01.857" v="8" actId="20577"/>
+        <pc:sldMkLst>
+          <pc:docMk/>
+          <pc:sldMk cId="0" sldId="256"/>
+        </pc:sldMkLst>
+        <pc:graphicFrameChg chg="modGraphic">
+          <ac:chgData name="Akilah Johnson" userId="2fa3aa60-0c9c-4d06-bae2-795983241227" providerId="ADAL" clId="{4F9F8D59-37FF-0B43-9EF5-31D48C73FC8D}" dt="2021-11-24T00:07:01.857" v="8" actId="20577"/>
+          <ac:graphicFrameMkLst>
+            <pc:docMk/>
+            <pc:sldMk cId="0" sldId="256"/>
+            <ac:graphicFrameMk id="7" creationId="{00000000-0000-0000-0000-000000000000}"/>
+          </ac:graphicFrameMkLst>
+        </pc:graphicFrameChg>
       </pc:sldChg>
     </pc:docChg>
   </pc:docChgLst>
@@ -267,7 +370,7 @@
           <a:p>
             <a:fld id="{C12E57D6-2086-AA47-A7A4-C0CDE7C14E44}" type="datetimeFigureOut">
               <a:rPr lang="en-US" smtClean="0"/>
-              <a:t>10/13/2021</a:t>
+              <a:t>1/20/22</a:t>
             </a:fld>
             <a:endParaRPr lang="en-US"/>
           </a:p>
@@ -841,7 +944,7 @@
           <a:p>
             <a:fld id="{1D8BD707-D9CF-40AE-B4C6-C98DA3205C09}" type="datetimeFigureOut">
               <a:rPr lang="en-US"/>
-              <a:t>10/13/2021</a:t>
+              <a:t>1/20/22</a:t>
             </a:fld>
             <a:endParaRPr lang="en-US"/>
           </a:p>
@@ -1086,7 +1189,7 @@
           <a:p>
             <a:fld id="{1D8BD707-D9CF-40AE-B4C6-C98DA3205C09}" type="datetimeFigureOut">
               <a:rPr lang="en-US"/>
-              <a:t>10/13/2021</a:t>
+              <a:t>1/20/22</a:t>
             </a:fld>
             <a:endParaRPr lang="en-US"/>
           </a:p>
@@ -1344,7 +1447,7 @@
           <a:p>
             <a:fld id="{1D8BD707-D9CF-40AE-B4C6-C98DA3205C09}" type="datetimeFigureOut">
               <a:rPr lang="en-US"/>
-              <a:t>10/13/2021</a:t>
+              <a:t>1/20/22</a:t>
             </a:fld>
             <a:endParaRPr lang="en-US"/>
           </a:p>
@@ -1536,7 +1639,7 @@
           <a:p>
             <a:fld id="{1D8BD707-D9CF-40AE-B4C6-C98DA3205C09}" type="datetimeFigureOut">
               <a:rPr lang="en-US"/>
-              <a:t>10/13/2021</a:t>
+              <a:t>1/20/22</a:t>
             </a:fld>
             <a:endParaRPr lang="en-US"/>
           </a:p>
@@ -1699,7 +1802,7 @@
           <a:p>
             <a:fld id="{1D8BD707-D9CF-40AE-B4C6-C98DA3205C09}" type="datetimeFigureOut">
               <a:rPr lang="en-US"/>
-              <a:t>10/13/2021</a:t>
+              <a:t>1/20/22</a:t>
             </a:fld>
             <a:endParaRPr lang="en-US"/>
           </a:p>
@@ -1962,7 +2065,7 @@
           <a:p>
             <a:fld id="{1D8BD707-D9CF-40AE-B4C6-C98DA3205C09}" type="datetimeFigureOut">
               <a:rPr lang="en-US"/>
-              <a:t>10/13/2021</a:t>
+              <a:t>1/20/22</a:t>
             </a:fld>
             <a:endParaRPr lang="en-US"/>
           </a:p>
@@ -2299,17 +2402,17 @@
               </a:spcBef>
             </a:pPr>
             <a:r>
-              <a:rPr sz="1100" spc="-5">
+              <a:rPr lang="en-US" sz="1100" spc="-5" dirty="0">
                 <a:solidFill>
                   <a:srgbClr val="FFFFFF"/>
                 </a:solidFill>
                 <a:latin typeface="AdobeClean-Light"/>
                 <a:cs typeface="AdobeClean-Light"/>
               </a:rPr>
-              <a:t>Online</a:t>
-            </a:r>
-            <a:r>
-              <a:rPr sz="1100">
+              <a:t>Standard</a:t>
+            </a:r>
+            <a:r>
+              <a:rPr sz="1100" dirty="0">
                 <a:solidFill>
                   <a:srgbClr val="FFFFFF"/>
                 </a:solidFill>
@@ -2319,7 +2422,7 @@
               <a:t> |</a:t>
             </a:r>
             <a:r>
-              <a:rPr sz="1100" spc="5">
+              <a:rPr sz="1100" spc="10" dirty="0">
                 <a:solidFill>
                   <a:srgbClr val="FFFFFF"/>
                 </a:solidFill>
@@ -2329,77 +2432,47 @@
               <a:t> </a:t>
             </a:r>
             <a:r>
-              <a:rPr sz="1100" spc="-5">
+              <a:rPr sz="1100" spc="-5" dirty="0">
                 <a:solidFill>
                   <a:srgbClr val="FFFFFF"/>
                 </a:solidFill>
                 <a:latin typeface="AdobeClean-Light"/>
                 <a:cs typeface="AdobeClean-Light"/>
               </a:rPr>
-              <a:t>Business</a:t>
-            </a:r>
-            <a:r>
-              <a:rPr sz="1100">
+              <a:t>Enterprise</a:t>
+            </a:r>
+            <a:r>
+              <a:rPr sz="1100" spc="10" dirty="0">
                 <a:solidFill>
                   <a:srgbClr val="FFFFFF"/>
                 </a:solidFill>
                 <a:latin typeface="AdobeClean-Light"/>
                 <a:cs typeface="AdobeClean-Light"/>
               </a:rPr>
-              <a:t> |</a:t>
-            </a:r>
-            <a:r>
-              <a:rPr sz="1100" spc="10">
+              <a:t> </a:t>
+            </a:r>
+            <a:r>
+              <a:rPr sz="1100" dirty="0">
                 <a:solidFill>
                   <a:srgbClr val="FFFFFF"/>
                 </a:solidFill>
                 <a:latin typeface="AdobeClean-Light"/>
                 <a:cs typeface="AdobeClean-Light"/>
               </a:rPr>
-              <a:t> </a:t>
-            </a:r>
-            <a:r>
-              <a:rPr sz="1100" spc="-5">
+              <a:t>|</a:t>
+            </a:r>
+            <a:r>
+              <a:rPr sz="1100" spc="5" dirty="0">
                 <a:solidFill>
                   <a:srgbClr val="FFFFFF"/>
                 </a:solidFill>
                 <a:latin typeface="AdobeClean-Light"/>
                 <a:cs typeface="AdobeClean-Light"/>
               </a:rPr>
-              <a:t>Enterprise</a:t>
-            </a:r>
-            <a:r>
-              <a:rPr sz="1100" spc="10">
-                <a:solidFill>
-                  <a:srgbClr val="FFFFFF"/>
-                </a:solidFill>
-                <a:latin typeface="AdobeClean-Light"/>
-                <a:cs typeface="AdobeClean-Light"/>
-              </a:rPr>
               <a:t> </a:t>
             </a:r>
             <a:r>
-              <a:rPr sz="1100">
-                <a:solidFill>
-                  <a:srgbClr val="FFFFFF"/>
-                </a:solidFill>
-                <a:latin typeface="AdobeClean-Light"/>
-                <a:cs typeface="AdobeClean-Light"/>
-              </a:rPr>
-              <a:t>|</a:t>
-            </a:r>
-            <a:r>
-              <a:rPr sz="1100" spc="5">
-                <a:solidFill>
-                  <a:srgbClr val="FFFFFF"/>
-                </a:solidFill>
-                <a:latin typeface="AdobeClean-Light"/>
-                <a:cs typeface="AdobeClean-Light"/>
-              </a:rPr>
-              <a:t> </a:t>
-            </a:r>
-            <a:r>
-              <a:rPr sz="1100" b="1" spc="-65">
+              <a:rPr sz="1100" b="1" spc="-65" dirty="0">
                 <a:solidFill>
                   <a:srgbClr val="FFFFFF"/>
                 </a:solidFill>
@@ -2408,7 +2481,7 @@
               </a:rPr>
               <a:t>Elite</a:t>
             </a:r>
-            <a:endParaRPr sz="1100">
+            <a:endParaRPr sz="1100" dirty="0">
               <a:latin typeface="Arial"/>
               <a:cs typeface="Arial"/>
             </a:endParaRPr>
@@ -2420,7 +2493,7 @@
               </a:spcBef>
             </a:pPr>
             <a:r>
-              <a:rPr lang="en-US" sz="900">
+              <a:rPr lang="en-US" sz="900" dirty="0">
                 <a:solidFill>
                   <a:schemeClr val="bg1"/>
                 </a:solidFill>
@@ -2428,7 +2501,7 @@
               </a:rPr>
               <a:t>Adobe provides a comprehensive range of technical resources to help support your business included as part of your Experience Cloud license subscription and further enhanced in the ELITE support package. ELITE support includes access to personalized learning paths and monitored community forums via the Adobe Experience League. You can also take advantage of our detailed and in-depth technical product documentation and current release notes. ELITE customers will also have access to a Named Support Engineer as well as a Technical Account Manager who combine and work in partnership with you to provide best in class proactive and reactive support while acting as your designated technical contacts in the Adobe Support Team. With deep experience in your designated Experience Cloud solutions, your support team work to ensure that no matter how complex your support needs are, the Adobe Support team will be there side by side with you throughout, to ensure you maximize your investment in the Adobe Experience Cloud solutions and to help you avoid problems before they happen.</a:t>
             </a:r>
-            <a:endParaRPr sz="900">
+            <a:endParaRPr sz="900" dirty="0">
               <a:solidFill>
                 <a:schemeClr val="bg1"/>
               </a:solidFill>
@@ -2933,7 +3006,7 @@
           <p:nvPr>
             <p:extLst>
               <p:ext uri="{D42A27DB-BD31-4B8C-83A1-F6EECF244321}">
-                <p14:modId xmlns:p14="http://schemas.microsoft.com/office/powerpoint/2010/main" val="101721845"/>
+                <p14:modId xmlns:p14="http://schemas.microsoft.com/office/powerpoint/2010/main" val="3940642931"/>
               </p:ext>
             </p:extLst>
           </p:nvPr>
@@ -3045,27 +3118,17 @@
                         </a:spcBef>
                       </a:pPr>
                       <a:r>
-                        <a:rPr sz="900" spc="0">
+                        <a:rPr lang="en-US" sz="900" spc="0" dirty="0">
                           <a:solidFill>
                             <a:srgbClr val="020302"/>
                           </a:solidFill>
                           <a:latin typeface="Adobe Clean"/>
                           <a:cs typeface="Adobe Clean"/>
                         </a:rPr>
-                        <a:t>Online</a:t>
+                        <a:t>Standard </a:t>
                       </a:r>
                       <a:r>
-                        <a:rPr lang="en-US" sz="900" spc="0">
-                          <a:solidFill>
-                            <a:srgbClr val="020302"/>
-                          </a:solidFill>
-                          <a:latin typeface="Adobe Clean"/>
-                          <a:cs typeface="Adobe Clean"/>
-                        </a:rPr>
-                        <a:t> </a:t>
-                      </a:r>
-                      <a:r>
-                        <a:rPr sz="900" spc="0">
+                        <a:rPr sz="900" spc="0" dirty="0">
                           <a:solidFill>
                             <a:srgbClr val="020302"/>
                           </a:solidFill>
@@ -3074,7 +3137,7 @@
                         </a:rPr>
                         <a:t> Support</a:t>
                       </a:r>
-                      <a:endParaRPr sz="900" spc="0">
+                      <a:endParaRPr sz="900" spc="0" dirty="0">
                         <a:latin typeface="Adobe Clean"/>
                         <a:cs typeface="Adobe Clean"/>
                       </a:endParaRPr>
@@ -3134,7 +3197,7 @@
                           <a:latin typeface="Adobe Clean"/>
                           <a:cs typeface="Adobe Clean"/>
                         </a:rPr>
-                        <a:t>Elite </a:t>
+                        <a:t>Elite</a:t>
                       </a:r>
                       <a:r>
                         <a:rPr lang="en-US" sz="900" spc="0">
@@ -3144,7 +3207,7 @@
                           <a:latin typeface="Adobe Clean"/>
                           <a:cs typeface="Adobe Clean"/>
                         </a:rPr>
-                        <a:t> </a:t>
+                        <a:t>  </a:t>
                       </a:r>
                       <a:r>
                         <a:rPr sz="900" spc="0">
@@ -3231,7 +3294,7 @@
                       </a:endParaRPr>
                     </a:p>
                     <a:p>
-                      <a:pPr marL="50165" marR="495934" algn="l">
+                      <a:pPr marL="50165" marR="495300" algn="l">
                         <a:lnSpc>
                           <a:spcPts val="1010"/>
                         </a:lnSpc>
@@ -3245,12 +3308,12 @@
                             <a:srgbClr val="000000"/>
                           </a:solidFill>
                           <a:effectLst/>
-                          <a:latin typeface="Adobe Clean Light" panose="020B0303020404020204" pitchFamily="34" charset="0"/>
+                          <a:latin typeface="Adobe Clean Light"/>
                         </a:rPr>
                         <a:t>Customer's production business functions are down or have significant data loss or service degradation and immediate attention is required to restore functionality and usability</a:t>
                       </a:r>
                       <a:endParaRPr sz="900" spc="0">
-                        <a:latin typeface="AdobeClean-Light"/>
+                        <a:latin typeface="Adobe Clean Light"/>
                         <a:cs typeface="AdobeClean-Light"/>
                       </a:endParaRPr>
                     </a:p>
@@ -3290,7 +3353,7 @@
                     <a:bodyPr/>
                     <a:lstStyle/>
                     <a:p>
-                      <a:pPr marL="542925" marR="492125" algn="l">
+                      <a:pPr marL="542925" marR="492125" algn="ctr">
                         <a:lnSpc>
                           <a:spcPct val="102200"/>
                         </a:lnSpc>
@@ -3303,7 +3366,7 @@
                           <a:latin typeface="AdobeClean-Light"/>
                           <a:cs typeface="AdobeClean-Light"/>
                         </a:rPr>
-                        <a:t>24x7</a:t>
+                        <a:t>24x7/</a:t>
                       </a:r>
                       <a:r>
                         <a:rPr lang="en-US" sz="900" spc="0">
@@ -3313,7 +3376,7 @@
                           <a:latin typeface="AdobeClean-Light"/>
                           <a:cs typeface="AdobeClean-Light"/>
                         </a:rPr>
-                        <a:t> </a:t>
+                        <a:t>          </a:t>
                       </a:r>
                       <a:r>
                         <a:rPr sz="900" spc="0">
@@ -3323,27 +3386,7 @@
                           <a:latin typeface="AdobeClean-Light"/>
                           <a:cs typeface="AdobeClean-Light"/>
                         </a:rPr>
-                        <a:t>/</a:t>
-                      </a:r>
-                      <a:r>
-                        <a:rPr lang="en-US" sz="900" spc="0">
-                          <a:solidFill>
-                            <a:srgbClr val="020302"/>
-                          </a:solidFill>
-                          <a:latin typeface="AdobeClean-Light"/>
-                          <a:cs typeface="AdobeClean-Light"/>
-                        </a:rPr>
-                        <a:t>         </a:t>
-                      </a:r>
-                      <a:r>
-                        <a:rPr sz="900" spc="0">
-                          <a:solidFill>
-                            <a:srgbClr val="020302"/>
-                          </a:solidFill>
-                          <a:latin typeface="AdobeClean-Light"/>
-                          <a:cs typeface="AdobeClean-Light"/>
-                        </a:rPr>
-                        <a:t>  1</a:t>
+                        <a:t> 1</a:t>
                       </a:r>
                       <a:r>
                         <a:rPr lang="en-US" sz="900" spc="0">
@@ -3429,7 +3472,7 @@
                           <a:latin typeface="AdobeClean-Light"/>
                           <a:cs typeface="AdobeClean-Light"/>
                         </a:rPr>
-                        <a:t>4x7 / </a:t>
+                        <a:t>4x7 /</a:t>
                       </a:r>
                       <a:r>
                         <a:rPr lang="en-US" sz="900" spc="0">
@@ -3439,7 +3482,7 @@
                           <a:latin typeface="AdobeClean-Light"/>
                           <a:cs typeface="AdobeClean-Light"/>
                         </a:rPr>
-                        <a:t> </a:t>
+                        <a:t>  </a:t>
                       </a:r>
                       <a:r>
                         <a:rPr sz="900" spc="0">
@@ -3565,12 +3608,12 @@
                             <a:srgbClr val="000000"/>
                           </a:solidFill>
                           <a:effectLst/>
-                          <a:latin typeface="Adobe Clean Light" panose="020B0303020404020204" pitchFamily="34" charset="0"/>
+                          <a:latin typeface="Adobe Clean Light"/>
                         </a:rPr>
                         <a:t>Customer's business functions have major service degradation or potential data loss, or a major feature is impacted</a:t>
                       </a:r>
                       <a:endParaRPr sz="900" spc="0">
-                        <a:latin typeface="AdobeClean-Light"/>
+                        <a:latin typeface="Adobe Clean Light"/>
                         <a:cs typeface="AdobeClean-Light"/>
                       </a:endParaRPr>
                     </a:p>
@@ -3610,7 +3653,7 @@
                     <a:bodyPr/>
                     <a:lstStyle/>
                     <a:p>
-                      <a:pPr marL="473709" marR="343535" indent="-175895" algn="l">
+                      <a:pPr marL="473075" marR="343535" indent="-175895" algn="l">
                         <a:lnSpc>
                           <a:spcPct val="102200"/>
                         </a:lnSpc>
@@ -3643,7 +3686,7 @@
                           <a:latin typeface="AdobeClean-Light"/>
                           <a:cs typeface="AdobeClean-Light"/>
                         </a:rPr>
-                        <a:t>/  </a:t>
+                        <a:t>/</a:t>
                       </a:r>
                       <a:r>
                         <a:rPr lang="en-US" sz="900" spc="0">
@@ -3653,7 +3696,7 @@
                           <a:latin typeface="AdobeClean-Light"/>
                           <a:cs typeface="AdobeClean-Light"/>
                         </a:rPr>
-                        <a:t>     </a:t>
+                        <a:t>       </a:t>
                       </a:r>
                       <a:r>
                         <a:rPr sz="900" spc="0">
@@ -3716,7 +3759,27 @@
                           <a:latin typeface="AdobeClean-Light"/>
                           <a:cs typeface="AdobeClean-Light"/>
                         </a:rPr>
-                        <a:t>24x5 /  30</a:t>
+                        <a:t>24x5 /</a:t>
+                      </a:r>
+                      <a:r>
+                        <a:rPr lang="en-US" sz="900" spc="0">
+                          <a:solidFill>
+                            <a:srgbClr val="020302"/>
+                          </a:solidFill>
+                          <a:latin typeface="AdobeClean-Light"/>
+                          <a:cs typeface="AdobeClean-Light"/>
+                        </a:rPr>
+                        <a:t> </a:t>
+                      </a:r>
+                      <a:r>
+                        <a:rPr sz="900" spc="0">
+                          <a:solidFill>
+                            <a:srgbClr val="020302"/>
+                          </a:solidFill>
+                          <a:latin typeface="AdobeClean-Light"/>
+                          <a:cs typeface="AdobeClean-Light"/>
+                        </a:rPr>
+                        <a:t> 30</a:t>
                       </a:r>
                       <a:r>
                         <a:rPr lang="en-US" sz="900" spc="0">
@@ -3829,9 +3892,9 @@
                             <a:srgbClr val="000000"/>
                           </a:solidFill>
                           <a:effectLst/>
-                          <a:latin typeface="Adobe Clean Light" panose="020B0303020404020204" pitchFamily="34" charset="0"/>
+                          <a:latin typeface="Adobe Clean Light"/>
                         </a:rPr>
-                        <a:t>Customer’s business functions has minor to no service degradation but there exists a solution/workaround allowing business functions to continue normally</a:t>
+                        <a:t>Customer’s business functions have minor to no service degradation but there exists a solution/workaround allowing business functions to continue normally</a:t>
                       </a:r>
                       <a:endParaRPr sz="900" spc="0">
                         <a:latin typeface="AdobeClean-Light"/>
@@ -3874,7 +3937,7 @@
                     <a:bodyPr/>
                     <a:lstStyle/>
                     <a:p>
-                      <a:pPr marL="473709" marR="343535" indent="-175895" algn="l">
+                      <a:pPr marL="473075" marR="343535" indent="-175895" algn="l">
                         <a:lnSpc>
                           <a:spcPct val="102200"/>
                         </a:lnSpc>
@@ -3887,7 +3950,7 @@
                           <a:latin typeface="AdobeClean-Light"/>
                           <a:cs typeface="AdobeClean-Light"/>
                         </a:rPr>
-                        <a:t>Business hours /       6 hours</a:t>
+                        <a:t>Business hours /       6 hours</a:t>
                       </a:r>
                       <a:endParaRPr lang="en-US" sz="900" spc="0">
                         <a:latin typeface="AdobeClean-Light"/>
@@ -3952,7 +4015,7 @@
                           <a:ea typeface="+mn-ea"/>
                           <a:cs typeface="AdobeClean-Light"/>
                         </a:rPr>
-                        <a:t>4x5/  </a:t>
+                        <a:t>4x5/</a:t>
                       </a:r>
                       <a:r>
                         <a:rPr lang="en-US" sz="900" spc="0">
@@ -3963,7 +4026,7 @@
                           <a:ea typeface="+mn-ea"/>
                           <a:cs typeface="AdobeClean-Light"/>
                         </a:rPr>
-                        <a:t> </a:t>
+                        <a:t>   </a:t>
                       </a:r>
                       <a:r>
                         <a:rPr sz="900" spc="0">
@@ -4063,12 +4126,12 @@
                             <a:srgbClr val="000000"/>
                           </a:solidFill>
                           <a:effectLst/>
-                          <a:latin typeface="Adobe Clean Light" panose="020B0303020404020204" pitchFamily="34" charset="0"/>
+                          <a:latin typeface="Adobe Clean Light"/>
                         </a:rPr>
                         <a:t>General question regarding current product functionality or an enhancement request</a:t>
                       </a:r>
                       <a:endParaRPr sz="900" spc="0">
-                        <a:latin typeface="AdobeClean-Light"/>
+                        <a:latin typeface="Adobe Clean Light"/>
                         <a:cs typeface="AdobeClean-Light"/>
                       </a:endParaRPr>
                     </a:p>
@@ -4108,7 +4171,7 @@
                     <a:bodyPr/>
                     <a:lstStyle/>
                     <a:p>
-                      <a:pPr marL="473709" marR="343535" indent="-175895" algn="l">
+                      <a:pPr marL="473075" marR="343535" indent="-175895" algn="l">
                         <a:lnSpc>
                           <a:spcPct val="102200"/>
                         </a:lnSpc>
@@ -4121,7 +4184,7 @@
                           <a:latin typeface="AdobeClean-Light"/>
                           <a:cs typeface="AdobeClean-Light"/>
                         </a:rPr>
-                        <a:t>Business days /       3 days</a:t>
+                        <a:t>Business days /       3 days</a:t>
                       </a:r>
                       <a:endParaRPr lang="en-US" sz="900" spc="0">
                         <a:latin typeface="AdobeClean-Light"/>
@@ -4161,22 +4224,22 @@
                     <a:bodyPr/>
                     <a:lstStyle/>
                     <a:p>
-                      <a:pPr marL="473709" marR="343535" indent="-175895" algn="l">
+                      <a:pPr marL="473075" marR="343535" indent="-175895" algn="l">
                         <a:lnSpc>
                           <a:spcPct val="102200"/>
                         </a:lnSpc>
                       </a:pPr>
                       <a:r>
-                        <a:rPr lang="en-US" sz="900" spc="0">
+                        <a:rPr lang="en-US" sz="900" spc="0" dirty="0">
                           <a:solidFill>
                             <a:srgbClr val="020302"/>
                           </a:solidFill>
                           <a:latin typeface="AdobeClean-Light"/>
                           <a:cs typeface="AdobeClean-Light"/>
                         </a:rPr>
-                        <a:t>Business days /       1 day</a:t>
+                        <a:t>Business days /       1 day</a:t>
                       </a:r>
-                      <a:endParaRPr lang="en-US" sz="900" spc="0">
+                      <a:endParaRPr lang="en-US" sz="900" spc="0" dirty="0">
                         <a:latin typeface="AdobeClean-Light"/>
                         <a:cs typeface="AdobeClean-Light"/>
                       </a:endParaRPr>
@@ -4429,7 +4492,7 @@
           <p:nvPr>
             <p:extLst>
               <p:ext uri="{D42A27DB-BD31-4B8C-83A1-F6EECF244321}">
-                <p14:modId xmlns:p14="http://schemas.microsoft.com/office/powerpoint/2010/main" val="1734001763"/>
+                <p14:modId xmlns:p14="http://schemas.microsoft.com/office/powerpoint/2010/main" val="2453616751"/>
               </p:ext>
             </p:extLst>
           </p:nvPr>
@@ -4518,17 +4581,17 @@
                         <a:defRPr/>
                       </a:pPr>
                       <a:r>
-                        <a:rPr lang="en-US" sz="900" spc="-20">
+                        <a:rPr lang="en-US" sz="900" spc="-20" dirty="0">
                           <a:solidFill>
                             <a:srgbClr val="404040"/>
                           </a:solidFill>
                           <a:latin typeface="Adobe Clean"/>
                           <a:cs typeface="Adobe Clean"/>
                         </a:rPr>
-                        <a:t>Online </a:t>
+                        <a:t>Standard </a:t>
                       </a:r>
                       <a:r>
-                        <a:rPr lang="en-US" sz="900" spc="-135">
+                        <a:rPr lang="en-US" sz="900" spc="-135" dirty="0">
                           <a:solidFill>
                             <a:srgbClr val="404040"/>
                           </a:solidFill>
@@ -4538,7 +4601,7 @@
                         <a:t> </a:t>
                       </a:r>
                       <a:r>
-                        <a:rPr lang="en-US" sz="900" spc="-20">
+                        <a:rPr lang="en-US" sz="900" spc="-20" dirty="0">
                           <a:solidFill>
                             <a:srgbClr val="404040"/>
                           </a:solidFill>
@@ -4547,7 +4610,7 @@
                         </a:rPr>
                         <a:t>Support</a:t>
                       </a:r>
-                      <a:endParaRPr lang="en-US" sz="900">
+                      <a:endParaRPr lang="en-US" sz="900" dirty="0">
                         <a:latin typeface="Adobe Clean"/>
                         <a:cs typeface="Adobe Clean"/>
                       </a:endParaRPr>
@@ -7867,13 +7930,13 @@
                     <a:p>
                       <a:pPr algn="ctr"/>
                       <a:r>
-                        <a:rPr lang="en-US" sz="900">
+                        <a:rPr lang="en-US" sz="900" dirty="0">
                           <a:latin typeface="Times New Roman"/>
                           <a:cs typeface="Times New Roman"/>
                         </a:rPr>
                         <a:t>4</a:t>
                       </a:r>
-                      <a:endParaRPr lang="en-US"/>
+                      <a:endParaRPr lang="en-US" dirty="0"/>
                     </a:p>
                   </a:txBody>
                   <a:tcPr marL="0" marR="0" marT="0" marB="0" anchor="ctr">
@@ -10156,7 +10219,7 @@
         <p:spPr>
           <a:xfrm>
             <a:off x="214971" y="6124178"/>
-            <a:ext cx="1930978" cy="307777"/>
+            <a:ext cx="2107308" cy="307777"/>
           </a:xfrm>
           <a:prstGeom prst="rect">
             <a:avLst/>
@@ -10177,16 +10240,16 @@
               </a:spcBef>
             </a:pPr>
             <a:r>
-              <a:rPr lang="en-US" sz="1400" b="1">
+              <a:rPr lang="en-US" sz="1400" b="1" dirty="0">
                 <a:solidFill>
                   <a:srgbClr val="020302"/>
                 </a:solidFill>
                 <a:latin typeface="Adobe Clean"/>
                 <a:cs typeface="Adobe Clean"/>
               </a:rPr>
-              <a:t>Online Support Features</a:t>
-            </a:r>
-            <a:endParaRPr lang="en-US" sz="1400">
+              <a:t>Standard Support Features</a:t>
+            </a:r>
+            <a:endParaRPr lang="en-US" sz="1400" dirty="0">
               <a:latin typeface="Adobe Clean"/>
               <a:cs typeface="Adobe Clean"/>
             </a:endParaRPr>
@@ -19278,9 +19341,12 @@
 </file>
 
 <file path=customXml/item1.xml><?xml version="1.0" encoding="utf-8"?>
-<p:properties xmlns:p="http://schemas.microsoft.com/office/2006/metadata/properties" xmlns:xsi="http://www.w3.org/2001/XMLSchema-instance" xmlns:pc="http://schemas.microsoft.com/office/infopath/2007/PartnerControls">
-  <documentManagement/>
-</p:properties>
+<?mso-contentType ?>
+<FormTemplates xmlns="http://schemas.microsoft.com/sharepoint/v3/contenttype/forms">
+  <Display>DocumentLibraryForm</Display>
+  <Edit>DocumentLibraryForm</Edit>
+  <New>DocumentLibraryForm</New>
+</FormTemplates>
 </file>
 
 <file path=customXml/item2.xml><?xml version="1.0" encoding="utf-8"?>
@@ -19489,19 +19555,15 @@
 </file>
 
 <file path=customXml/item3.xml><?xml version="1.0" encoding="utf-8"?>
-<?mso-contentType ?>
-<FormTemplates xmlns="http://schemas.microsoft.com/sharepoint/v3/contenttype/forms">
-  <Display>DocumentLibraryForm</Display>
-  <Edit>DocumentLibraryForm</Edit>
-  <New>DocumentLibraryForm</New>
-</FormTemplates>
+<p:properties xmlns:p="http://schemas.microsoft.com/office/2006/metadata/properties" xmlns:xsi="http://www.w3.org/2001/XMLSchema-instance" xmlns:pc="http://schemas.microsoft.com/office/infopath/2007/PartnerControls">
+  <documentManagement/>
+</p:properties>
 </file>
 
 <file path=customXml/itemProps1.xml><?xml version="1.0" encoding="utf-8"?>
-<ds:datastoreItem xmlns:ds="http://schemas.openxmlformats.org/officeDocument/2006/customXml" ds:itemID="{CED41536-010B-47B1-9229-B72BE4090090}">
+<ds:datastoreItem xmlns:ds="http://schemas.openxmlformats.org/officeDocument/2006/customXml" ds:itemID="{669D9D3B-3229-44EE-9964-24A06AE66887}">
   <ds:schemaRefs>
-    <ds:schemaRef ds:uri="http://schemas.microsoft.com/office/2006/metadata/properties"/>
-    <ds:schemaRef ds:uri="http://schemas.microsoft.com/office/infopath/2007/PartnerControls"/>
+    <ds:schemaRef ds:uri="http://schemas.microsoft.com/sharepoint/v3/contenttype/forms"/>
   </ds:schemaRefs>
 </ds:datastoreItem>
 </file>
@@ -19526,9 +19588,10 @@
 </file>
 
 <file path=customXml/itemProps3.xml><?xml version="1.0" encoding="utf-8"?>
-<ds:datastoreItem xmlns:ds="http://schemas.openxmlformats.org/officeDocument/2006/customXml" ds:itemID="{669D9D3B-3229-44EE-9964-24A06AE66887}">
+<ds:datastoreItem xmlns:ds="http://schemas.openxmlformats.org/officeDocument/2006/customXml" ds:itemID="{CED41536-010B-47B1-9229-B72BE4090090}">
   <ds:schemaRefs>
-    <ds:schemaRef ds:uri="http://schemas.microsoft.com/sharepoint/v3/contenttype/forms"/>
+    <ds:schemaRef ds:uri="http://schemas.microsoft.com/office/2006/metadata/properties"/>
+    <ds:schemaRef ds:uri="http://schemas.microsoft.com/office/infopath/2007/PartnerControls"/>
   </ds:schemaRefs>
 </ds:datastoreItem>
 </file>